--- a/Week3_APT/BachmeierNTIM7030-3.pptx
+++ b/Week3_APT/BachmeierNTIM7030-3.pptx
@@ -111,6 +111,11 @@
       </a:defRPr>
     </a:lvl9pPr>
   </p:defaultTextStyle>
+  <p:extLst>
+    <p:ext uri="{EFAFB233-063F-42B5-8137-9DF3F51BA10A}">
+      <p15:sldGuideLst xmlns:p15="http://schemas.microsoft.com/office/powerpoint/2012/main"/>
+    </p:ext>
+  </p:extLst>
 </p:presentation>
 </file>
 
@@ -10003,23 +10008,6 @@
           <a:bodyPr/>
           <a:lstStyle/>
           <a:p>
-            <a:pPr marL="0" marR="0" lvl="0" indent="0" algn="l" defTabSz="914400" rtl="0" eaLnBrk="1" fontAlgn="auto" latinLnBrk="0" hangingPunct="1">
-              <a:lnSpc>
-                <a:spcPct val="100000"/>
-              </a:lnSpc>
-              <a:spcBef>
-                <a:spcPts val="0"/>
-              </a:spcBef>
-              <a:spcAft>
-                <a:spcPts val="0"/>
-              </a:spcAft>
-              <a:buClrTx/>
-              <a:buSzTx/>
-              <a:buFontTx/>
-              <a:buNone/>
-              <a:tabLst/>
-              <a:defRPr/>
-            </a:pPr>
             <a:r>
               <a:rPr lang="en-US" sz="1200" kern="1200" dirty="0">
                 <a:solidFill>
@@ -10078,7 +10066,7 @@
                 <a:ea typeface="+mn-ea"/>
                 <a:cs typeface="+mn-cs"/>
               </a:rPr>
-              <a:t>, 2017).  These stages reasonably align with the core feedback loop of ‘plan-do-act-check’ available in many Risk Management Frameworks (Radhakrishnan, 2015).  Both follow the same precursor steps of enumerating threats against business artifacts and reducing that risk through protection schemes.  After reducing risk, the processes diverge with the security lifecycle focusing on detecting and responding to infractions.  Meanwhile, Risk Management, confirms the mitigations are appropriate and then seeks the next item from a prioritized list.  However, not all risk management frameworks follow only the PDAC feedback loop and can extend the workflow to include more aspects of the security lifecycle.  For instance, the NIST Cybersecurity Framework explicitly includes each guidance for each stage of the security lifecycle (</a:t>
+              <a:t>, 2017).  These stages reasonably align with the core feedback loop of ‘plan-do-act-check’ available in many Risk Management Frameworks (Radhakrishnan, 2015).  Both follow the same precursor steps of enumerating threats against business artifacts and reducing that risk through protection schemes.  After reducing risk, the processes diverge with the security lifecycle focusing on detecting and responding to infractions.  Meanwhile, Risk Management, confirms the mitigations are appropriate and then seeks the next item from a prioritized list.  However, not all risk management frameworks follow only the PDAC feedback loop and can extend the workflow to include more aspects of the security lifecycle.  For instance, the NIST Cybersecurity Framework explicitly includes guidance for each stage of the security lifecycle (</a:t>
             </a:r>
             <a:r>
               <a:rPr lang="en-US" sz="1200" kern="1200" dirty="0" err="1">
@@ -10104,9 +10092,6 @@
               </a:rPr>
               <a:t>, 2018). </a:t>
             </a:r>
-          </a:p>
-          <a:p>
-            <a:endParaRPr lang="en-US" dirty="0"/>
           </a:p>
         </p:txBody>
       </p:sp>
@@ -10217,7 +10202,7 @@
                 <a:ea typeface="+mn-ea"/>
                 <a:cs typeface="+mn-cs"/>
               </a:rPr>
-              <a:t>Choosing the right framework requires assessing the needs of flexibility and regulatory requirements.  When the organization lacks consistent or mature processes, then the NIST Cybersecurity framework can be an ideal choice because of the highly adaptive design (</a:t>
+              <a:t>Choosing the right framework requires assessing the needs of the business in terms of flexibility, cultural norms, and regulatory requirements.  When the organization lacks consistent or mature processes, then the NIST Cybersecurity framework can be an ideal choice because of the highly adaptive design (</a:t>
             </a:r>
             <a:r>
               <a:rPr lang="en-US" sz="1200" kern="1200" dirty="0" err="1">
@@ -10241,10 +10226,8 @@
                 <a:ea typeface="+mn-ea"/>
                 <a:cs typeface="+mn-cs"/>
               </a:rPr>
-              <a:t>, 2018).  Businesses use NIST’s guidelines to determine which aspects of the management lifecycle are “good, better, or best” and then prioritize future improvements.  In contrast, more rigid solutions like ISO27000 require significant cultural shifts and can encounter political pressure to fail.</a:t>
+              <a:t>, 2018).  Businesses use NIST’s guidelines to determine which aspects of the process are currently “good, better, or best”—then prioritize improvements.  In contrast, more rigid solutions like ISO27000 require significant cultural shifts and can encounter political pressure to fail.</a:t>
             </a:r>
-          </a:p>
-          <a:p>
             <a:endParaRPr lang="en-US" dirty="0"/>
           </a:p>
         </p:txBody>
@@ -10823,7 +10806,7 @@
                 <a:ea typeface="+mn-ea"/>
                 <a:cs typeface="+mn-cs"/>
               </a:rPr>
-              <a:t>The policies of the risk management strategy need to identify threats to business artifacts from both negligence and malicious behavior (Mickens, 2015).  For instance, erroneous system commands should limit the blast radius by default.  Reducing the potential impact requires capabilities that build on top of authentication, authorization, and auditing (AAA).  Alice can send documents to the network printer, but should she be permitted to request a single 10,000-page document?  Quota management scenarios reoccur at all levels of business processes to block these erroneous actions.</a:t>
+              <a:t>The policies of the risk management strategy need to identify threats to business artifacts from both negligence and malicious behavior (Mickens, 2015).  For instance, solutions must limit the blast radius of erroneous system commands by default.  Reducing the potential impact requires capabilities that build on top of authentication, authorization, and auditing (AAA).  Alice can send documents to the network printer, but should she be permitted to request a single 10,000-page document?  Quota management scenarios reoccur at all levels of business processes to block these erroneous actions.</a:t>
             </a:r>
           </a:p>
           <a:p>
@@ -10873,7 +10856,7 @@
                 <a:ea typeface="+mn-ea"/>
                 <a:cs typeface="+mn-cs"/>
               </a:rPr>
-              <a:t>Proper tooling can make or break the successful adoption of a risk management strategy. When users find a specific policy or practice to inconvenient, then they pursue solutions to minimize that friction (Busby, Green, &amp; Hutchison, 2017).  For example, a policy that asks all employees to sign and encrypt their email is unlikely to be sustainable if they need to execute complex commands from the terminal window.  Meanwhile, the same policy with a simple button to “send with encryption,” will meet less resistance because it does not increase the workflow.  Other scenarios also exist with firewalls and monitoring systems that need to do the ‘right thing by default.’  Policymakers must remember that the objective of security and risk management is to aid the business in its mission (Dai </a:t>
+              <a:t>Proper tooling can make or break the successful adoption of a risk management strategy. When users find a specific policy or practice inconvenient, then they will pursue solutions to minimize that friction (Busby, Green, &amp; Hutchison, 2017).  For example, a policy that asks all employees to sign and encrypt their email is unlikely to be sustainable if this involves complex commands in the terminal window.  Meanwhile, the same policy paired with an email client extension for ‘click and send with encryption,’—will meet less resistance, due to not increasing the workflow complexity.  Other scenarios also exist with firewalls and monitoring systems that need to do the ‘right thing by default.’  Policymakers must remember that the objective of security and risk management is to aid the business in its mission (Dai </a:t>
             </a:r>
             <a:r>
               <a:rPr lang="en-US" sz="1200" kern="1200" dirty="0" err="1">
@@ -10899,21 +10882,6 @@
               </a:rPr>
               <a:t>, 2019).  The inverse solution is not sustainable and will be riffle with political opposition.</a:t>
             </a:r>
-          </a:p>
-          <a:p>
-            <a:pPr marL="0" lvl="0" indent="0">
-              <a:buFont typeface="Arial" panose="020B0604020202020204" pitchFamily="34" charset="0"/>
-              <a:buNone/>
-            </a:pPr>
-            <a:endParaRPr lang="en-US" sz="1200" kern="1200" dirty="0">
-              <a:solidFill>
-                <a:schemeClr val="tx1"/>
-              </a:solidFill>
-              <a:effectLst/>
-              <a:latin typeface="+mn-lt"/>
-              <a:ea typeface="+mn-ea"/>
-              <a:cs typeface="+mn-cs"/>
-            </a:endParaRPr>
           </a:p>
         </p:txBody>
       </p:sp>
